--- a/documentation/P2 Presentation.pptx
+++ b/documentation/P2 Presentation.pptx
@@ -18,6 +18,7 @@
     <p:sldId id="263" r:id="rId12"/>
     <p:sldId id="264" r:id="rId13"/>
     <p:sldId id="265" r:id="rId14"/>
+    <p:sldId id="266" r:id="rId15"/>
   </p:sldIdLst>
   <p:sldSz cy="5143500" cx="9144000"/>
   <p:notesSz cx="6858000" cy="9144000"/>
@@ -542,6 +543,101 @@
       <p:sp>
         <p:nvSpPr>
           <p:cNvPr id="109" name="Shape 109"/>
+          <p:cNvSpPr txBox="1"/>
+          <p:nvPr>
+            <p:ph idx="1" type="body"/>
+          </p:nvPr>
+        </p:nvSpPr>
+        <p:spPr>
+          <a:xfrm>
+            <a:off x="685800" y="4343400"/>
+            <a:ext cx="5486400" cy="4114800"/>
+          </a:xfrm>
+          <a:prstGeom prst="rect">
+            <a:avLst/>
+          </a:prstGeom>
+        </p:spPr>
+        <p:txBody>
+          <a:bodyPr anchorCtr="0" anchor="t" bIns="91425" lIns="91425" rIns="91425" wrap="square" tIns="91425">
+            <a:noAutofit/>
+          </a:bodyPr>
+          <a:lstStyle/>
+          <a:p>
+            <a:pPr lvl="0" rtl="0">
+              <a:spcBef>
+                <a:spcPts val="0"/>
+              </a:spcBef>
+              <a:buNone/>
+            </a:pPr>
+            <a:r>
+              <a:t/>
+            </a:r>
+            <a:endParaRPr/>
+          </a:p>
+        </p:txBody>
+      </p:sp>
+    </p:spTree>
+  </p:cSld>
+  <p:clrMapOvr>
+    <a:masterClrMapping/>
+  </p:clrMapOvr>
+</p:notes>
+</file>
+
+<file path=ppt/notesSlides/notesSlide11.xml><?xml version="1.0" encoding="utf-8"?>
+<p:notes xmlns:a="http://schemas.openxmlformats.org/drawingml/2006/main" xmlns:r="http://schemas.openxmlformats.org/officeDocument/2006/relationships" xmlns:mc="http://schemas.openxmlformats.org/markup-compatibility/2006" xmlns:mv="urn:schemas-microsoft-com:mac:vml" xmlns:p="http://schemas.openxmlformats.org/presentationml/2006/main" xmlns:c="http://schemas.openxmlformats.org/drawingml/2006/chart" xmlns:dgm="http://schemas.openxmlformats.org/drawingml/2006/diagram" xmlns:o="urn:schemas-microsoft-com:office:office" xmlns:v="urn:schemas-microsoft-com:vml" xmlns:pvml="urn:schemas-microsoft-com:office:powerpoint" xmlns:com="http://schemas.openxmlformats.org/drawingml/2006/compatibility" xmlns:p14="http://schemas.microsoft.com/office/powerpoint/2010/main" xmlns:p15="http://schemas.microsoft.com/office/powerpoint/2012/main" showMasterPhAnim="0" showMasterSp="0">
+  <p:cSld>
+    <p:spTree>
+      <p:nvGrpSpPr>
+        <p:cNvPr id="113" name="Shape 113"/>
+        <p:cNvGrpSpPr/>
+        <p:nvPr/>
+      </p:nvGrpSpPr>
+      <p:grpSpPr>
+        <a:xfrm>
+          <a:off x="0" y="0"/>
+          <a:ext cx="0" cy="0"/>
+          <a:chOff x="0" y="0"/>
+          <a:chExt cx="0" cy="0"/>
+        </a:xfrm>
+      </p:grpSpPr>
+      <p:sp>
+        <p:nvSpPr>
+          <p:cNvPr id="114" name="Shape 114"/>
+          <p:cNvSpPr/>
+          <p:nvPr>
+            <p:ph idx="2" type="sldImg"/>
+          </p:nvPr>
+        </p:nvSpPr>
+        <p:spPr>
+          <a:xfrm>
+            <a:off x="381300" y="685800"/>
+            <a:ext cx="6096000" cy="3429000"/>
+          </a:xfrm>
+          <a:custGeom>
+            <a:pathLst>
+              <a:path extrusionOk="0" h="120000" w="120000">
+                <a:moveTo>
+                  <a:pt x="0" y="0"/>
+                </a:moveTo>
+                <a:lnTo>
+                  <a:pt x="120000" y="0"/>
+                </a:lnTo>
+                <a:lnTo>
+                  <a:pt x="120000" y="120000"/>
+                </a:lnTo>
+                <a:lnTo>
+                  <a:pt x="0" y="120000"/>
+                </a:lnTo>
+                <a:close/>
+              </a:path>
+            </a:pathLst>
+          </a:custGeom>
+        </p:spPr>
+      </p:sp>
+      <p:sp>
+        <p:nvSpPr>
+          <p:cNvPr id="115" name="Shape 115"/>
           <p:cNvSpPr txBox="1"/>
           <p:nvPr>
             <p:ph idx="1" type="body"/>
@@ -4638,6 +4734,9 @@
             </a:pPr>
             <a:r>
               <a:rPr b="1" lang="es" sz="1800">
+                <a:solidFill>
+                  <a:srgbClr val="000000"/>
+                </a:solidFill>
                 <a:latin typeface="Cambria"/>
                 <a:ea typeface="Cambria"/>
                 <a:cs typeface="Cambria"/>
@@ -4749,18 +4848,12 @@
               <a:spcAft>
                 <a:spcPts val="0"/>
               </a:spcAft>
-              <a:buClr>
-                <a:schemeClr val="dk2"/>
-              </a:buClr>
               <a:buSzPct val="100000"/>
               <a:buFont typeface="Cambria"/>
               <a:buChar char="➢"/>
             </a:pPr>
             <a:r>
               <a:rPr lang="es" sz="1800">
-                <a:solidFill>
-                  <a:schemeClr val="dk2"/>
-                </a:solidFill>
                 <a:latin typeface="Cambria"/>
                 <a:ea typeface="Cambria"/>
                 <a:cs typeface="Cambria"/>
@@ -4770,9 +4863,6 @@
             </a:r>
             <a:r>
               <a:rPr lang="es" sz="1800">
-                <a:solidFill>
-                  <a:schemeClr val="dk2"/>
-                </a:solidFill>
                 <a:latin typeface="Cambria"/>
                 <a:ea typeface="Cambria"/>
                 <a:cs typeface="Cambria"/>
@@ -4792,18 +4882,12 @@
               <a:spcAft>
                 <a:spcPts val="0"/>
               </a:spcAft>
-              <a:buClr>
-                <a:schemeClr val="dk2"/>
-              </a:buClr>
               <a:buSzPct val="100000"/>
               <a:buFont typeface="Cambria"/>
               <a:buChar char="➢"/>
             </a:pPr>
             <a:r>
               <a:rPr lang="es" sz="1800">
-                <a:solidFill>
-                  <a:schemeClr val="dk2"/>
-                </a:solidFill>
                 <a:latin typeface="Cambria"/>
                 <a:ea typeface="Cambria"/>
                 <a:cs typeface="Cambria"/>
@@ -4823,18 +4907,12 @@
               <a:spcAft>
                 <a:spcPts val="0"/>
               </a:spcAft>
-              <a:buClr>
-                <a:schemeClr val="dk2"/>
-              </a:buClr>
               <a:buSzPct val="100000"/>
               <a:buFont typeface="Cambria"/>
               <a:buChar char="➢"/>
             </a:pPr>
             <a:r>
               <a:rPr lang="es" sz="1800">
-                <a:solidFill>
-                  <a:schemeClr val="dk2"/>
-                </a:solidFill>
                 <a:latin typeface="Cambria"/>
                 <a:ea typeface="Cambria"/>
                 <a:cs typeface="Cambria"/>
@@ -4854,18 +4932,12 @@
               <a:spcAft>
                 <a:spcPts val="0"/>
               </a:spcAft>
-              <a:buClr>
-                <a:schemeClr val="dk2"/>
-              </a:buClr>
               <a:buSzPct val="100000"/>
               <a:buFont typeface="Cambria"/>
               <a:buChar char="➢"/>
             </a:pPr>
             <a:r>
               <a:rPr lang="es" sz="1800">
-                <a:solidFill>
-                  <a:schemeClr val="dk2"/>
-                </a:solidFill>
                 <a:latin typeface="Cambria"/>
                 <a:ea typeface="Cambria"/>
                 <a:cs typeface="Cambria"/>
@@ -4875,9 +4947,6 @@
             </a:r>
             <a:r>
               <a:rPr lang="es" sz="1800">
-                <a:solidFill>
-                  <a:schemeClr val="dk2"/>
-                </a:solidFill>
                 <a:latin typeface="Cambria"/>
                 <a:ea typeface="Cambria"/>
                 <a:cs typeface="Cambria"/>
@@ -4897,18 +4966,12 @@
               <a:spcAft>
                 <a:spcPts val="0"/>
               </a:spcAft>
-              <a:buClr>
-                <a:schemeClr val="dk2"/>
-              </a:buClr>
               <a:buSzPct val="100000"/>
               <a:buFont typeface="Cambria"/>
               <a:buChar char="➢"/>
             </a:pPr>
             <a:r>
               <a:rPr lang="es" sz="1800">
-                <a:solidFill>
-                  <a:schemeClr val="dk2"/>
-                </a:solidFill>
                 <a:latin typeface="Cambria"/>
                 <a:ea typeface="Cambria"/>
                 <a:cs typeface="Cambria"/>
@@ -5027,11 +5090,150 @@
               <a:spcAft>
                 <a:spcPts val="0"/>
               </a:spcAft>
+              <a:buClr>
+                <a:schemeClr val="dk1"/>
+              </a:buClr>
               <a:buFont typeface="Cambria"/>
               <a:buChar char="➢"/>
             </a:pPr>
             <a:r>
               <a:rPr b="1" lang="es">
+                <a:solidFill>
+                  <a:schemeClr val="dk1"/>
+                </a:solidFill>
+                <a:latin typeface="Cambria"/>
+                <a:ea typeface="Cambria"/>
+                <a:cs typeface="Cambria"/>
+                <a:sym typeface="Cambria"/>
+              </a:rPr>
+              <a:t>Quit Game</a:t>
+            </a:r>
+            <a:r>
+              <a:rPr lang="es">
+                <a:solidFill>
+                  <a:schemeClr val="dk1"/>
+                </a:solidFill>
+                <a:latin typeface="Cambria"/>
+                <a:ea typeface="Cambria"/>
+                <a:cs typeface="Cambria"/>
+                <a:sym typeface="Cambria"/>
+              </a:rPr>
+              <a:t> </a:t>
+            </a:r>
+          </a:p>
+          <a:p>
+            <a:pPr indent="-342900" lvl="1" marL="914400" rtl="0">
+              <a:spcBef>
+                <a:spcPts val="0"/>
+              </a:spcBef>
+              <a:spcAft>
+                <a:spcPts val="0"/>
+              </a:spcAft>
+              <a:buClr>
+                <a:schemeClr val="dk1"/>
+              </a:buClr>
+              <a:buSzPct val="100000"/>
+              <a:buFont typeface="Cambria"/>
+              <a:buChar char="○"/>
+            </a:pPr>
+            <a:r>
+              <a:rPr lang="es" sz="1800">
+                <a:solidFill>
+                  <a:schemeClr val="dk1"/>
+                </a:solidFill>
+                <a:latin typeface="Cambria"/>
+                <a:ea typeface="Cambria"/>
+                <a:cs typeface="Cambria"/>
+                <a:sym typeface="Cambria"/>
+              </a:rPr>
+              <a:t>will not end the game if the game can not be found</a:t>
+            </a:r>
+          </a:p>
+          <a:p>
+            <a:pPr indent="-228600" lvl="1" marL="914400" rtl="0">
+              <a:spcBef>
+                <a:spcPts val="0"/>
+              </a:spcBef>
+              <a:spcAft>
+                <a:spcPts val="0"/>
+              </a:spcAft>
+              <a:buClr>
+                <a:schemeClr val="dk1"/>
+              </a:buClr>
+              <a:buFont typeface="Cambria"/>
+              <a:buChar char="○"/>
+            </a:pPr>
+            <a:r>
+              <a:rPr lang="es" sz="1800">
+                <a:solidFill>
+                  <a:schemeClr val="dk1"/>
+                </a:solidFill>
+                <a:latin typeface="Cambria"/>
+                <a:ea typeface="Cambria"/>
+                <a:cs typeface="Cambria"/>
+                <a:sym typeface="Cambria"/>
+              </a:rPr>
+              <a:t>now directly records game information</a:t>
+            </a:r>
+          </a:p>
+          <a:p>
+            <a:pPr indent="-228600" lvl="0" marL="457200" rtl="0">
+              <a:spcBef>
+                <a:spcPts val="0"/>
+              </a:spcBef>
+              <a:spcAft>
+                <a:spcPts val="0"/>
+              </a:spcAft>
+              <a:buClr>
+                <a:srgbClr val="000000"/>
+              </a:buClr>
+              <a:buFont typeface="Cambria"/>
+              <a:buChar char="➢"/>
+            </a:pPr>
+            <a:r>
+              <a:rPr b="1" lang="es">
+                <a:solidFill>
+                  <a:srgbClr val="000000"/>
+                </a:solidFill>
+                <a:latin typeface="Cambria"/>
+                <a:ea typeface="Cambria"/>
+                <a:cs typeface="Cambria"/>
+                <a:sym typeface="Cambria"/>
+              </a:rPr>
+              <a:t>Unregister from system</a:t>
+            </a:r>
+            <a:r>
+              <a:rPr lang="es">
+                <a:solidFill>
+                  <a:srgbClr val="000000"/>
+                </a:solidFill>
+                <a:latin typeface="Cambria"/>
+                <a:ea typeface="Cambria"/>
+                <a:cs typeface="Cambria"/>
+                <a:sym typeface="Cambria"/>
+              </a:rPr>
+              <a:t> now removes the login information instead of all information.</a:t>
+            </a:r>
+          </a:p>
+          <a:p>
+            <a:pPr indent="-228600" lvl="0" marL="457200" rtl="0">
+              <a:spcBef>
+                <a:spcPts val="0"/>
+              </a:spcBef>
+              <a:spcAft>
+                <a:spcPts val="0"/>
+              </a:spcAft>
+              <a:buClr>
+                <a:srgbClr val="000000"/>
+              </a:buClr>
+              <a:buFont typeface="Cambria"/>
+              <a:buChar char="➢"/>
+            </a:pPr>
+            <a:r>
+              <a:rPr b="1" lang="es">
+                <a:solidFill>
+                  <a:srgbClr val="000000"/>
+                </a:solidFill>
                 <a:latin typeface="Cambria"/>
                 <a:ea typeface="Cambria"/>
                 <a:cs typeface="Cambria"/>
@@ -5041,6 +5243,9 @@
             </a:r>
             <a:r>
               <a:rPr lang="es">
+                <a:solidFill>
+                  <a:srgbClr val="000000"/>
+                </a:solidFill>
                 <a:latin typeface="Cambria"/>
                 <a:ea typeface="Cambria"/>
                 <a:cs typeface="Cambria"/>
@@ -5057,29 +5262,80 @@
               <a:spcAft>
                 <a:spcPts val="0"/>
               </a:spcAft>
+              <a:buClr>
+                <a:srgbClr val="000000"/>
+              </a:buClr>
               <a:buFont typeface="Cambria"/>
               <a:buChar char="➢"/>
             </a:pPr>
             <a:r>
-              <a:rPr lang="es">
+              <a:rPr b="1" lang="es">
+                <a:solidFill>
+                  <a:schemeClr val="dk1"/>
+                </a:solidFill>
                 <a:latin typeface="Cambria"/>
                 <a:ea typeface="Cambria"/>
                 <a:cs typeface="Cambria"/>
                 <a:sym typeface="Cambria"/>
               </a:rPr>
-              <a:t>Added </a:t>
-            </a:r>
-            <a:r>
-              <a:rPr b="1" lang="es">
+              <a:t>Login</a:t>
+            </a:r>
+            <a:r>
+              <a:rPr lang="es">
+                <a:solidFill>
+                  <a:schemeClr val="dk1"/>
+                </a:solidFill>
                 <a:latin typeface="Cambria"/>
                 <a:ea typeface="Cambria"/>
                 <a:cs typeface="Cambria"/>
                 <a:sym typeface="Cambria"/>
               </a:rPr>
-              <a:t>Failure </a:t>
-            </a:r>
+              <a:t> now requires the User to correctly enter the password within three tries.</a:t>
+            </a:r>
+          </a:p>
+          <a:p>
+            <a:pPr indent="-228600" lvl="0" marL="457200" rtl="0">
+              <a:spcBef>
+                <a:spcPts val="0"/>
+              </a:spcBef>
+              <a:spcAft>
+                <a:spcPts val="0"/>
+              </a:spcAft>
+              <a:buClr>
+                <a:srgbClr val="000000"/>
+              </a:buClr>
+              <a:buFont typeface="Cambria"/>
+              <a:buChar char="➢"/>
+            </a:pPr>
             <a:r>
               <a:rPr lang="es">
+                <a:solidFill>
+                  <a:srgbClr val="000000"/>
+                </a:solidFill>
+                <a:latin typeface="Cambria"/>
+                <a:ea typeface="Cambria"/>
+                <a:cs typeface="Cambria"/>
+                <a:sym typeface="Cambria"/>
+              </a:rPr>
+              <a:t>Added Failure</a:t>
+            </a:r>
+            <a:r>
+              <a:rPr b="1" lang="es">
+                <a:solidFill>
+                  <a:srgbClr val="000000"/>
+                </a:solidFill>
+                <a:latin typeface="Cambria"/>
+                <a:ea typeface="Cambria"/>
+                <a:cs typeface="Cambria"/>
+                <a:sym typeface="Cambria"/>
+              </a:rPr>
+              <a:t> </a:t>
+            </a:r>
+            <a:r>
+              <a:rPr lang="es">
+                <a:solidFill>
+                  <a:srgbClr val="000000"/>
+                </a:solidFill>
                 <a:latin typeface="Cambria"/>
                 <a:ea typeface="Cambria"/>
                 <a:cs typeface="Cambria"/>
@@ -5096,11 +5352,17 @@
               <a:spcAft>
                 <a:spcPts val="0"/>
               </a:spcAft>
+              <a:buClr>
+                <a:srgbClr val="000000"/>
+              </a:buClr>
               <a:buFont typeface="Cambria"/>
               <a:buChar char="➢"/>
             </a:pPr>
             <a:r>
               <a:rPr lang="es">
+                <a:solidFill>
+                  <a:srgbClr val="000000"/>
+                </a:solidFill>
                 <a:latin typeface="Cambria"/>
                 <a:ea typeface="Cambria"/>
                 <a:cs typeface="Cambria"/>
@@ -5109,25 +5371,110 @@
               <a:t>Add notifications for users based on conditions</a:t>
             </a:r>
           </a:p>
+        </p:txBody>
+      </p:sp>
+    </p:spTree>
+  </p:cSld>
+  <p:clrMapOvr>
+    <a:masterClrMapping/>
+  </p:clrMapOvr>
+</p:sld>
+</file>
+
+<file path=ppt/slides/slide11.xml><?xml version="1.0" encoding="utf-8"?>
+<p:sld xmlns:a="http://schemas.openxmlformats.org/drawingml/2006/main" xmlns:r="http://schemas.openxmlformats.org/officeDocument/2006/relationships" xmlns:mc="http://schemas.openxmlformats.org/markup-compatibility/2006" xmlns:mv="urn:schemas-microsoft-com:mac:vml" xmlns:p="http://schemas.openxmlformats.org/presentationml/2006/main" xmlns:c="http://schemas.openxmlformats.org/drawingml/2006/chart" xmlns:dgm="http://schemas.openxmlformats.org/drawingml/2006/diagram" xmlns:o="urn:schemas-microsoft-com:office:office" xmlns:v="urn:schemas-microsoft-com:vml" xmlns:pvml="urn:schemas-microsoft-com:office:powerpoint" xmlns:com="http://schemas.openxmlformats.org/drawingml/2006/compatibility" xmlns:p14="http://schemas.microsoft.com/office/powerpoint/2010/main" xmlns:p15="http://schemas.microsoft.com/office/powerpoint/2012/main">
+  <p:cSld>
+    <p:bg>
+      <p:bgPr>
+        <a:solidFill>
+          <a:srgbClr val="EFEFEF"/>
+        </a:solidFill>
+      </p:bgPr>
+    </p:bg>
+    <p:spTree>
+      <p:nvGrpSpPr>
+        <p:cNvPr id="116" name="Shape 116"/>
+        <p:cNvGrpSpPr/>
+        <p:nvPr/>
+      </p:nvGrpSpPr>
+      <p:grpSpPr>
+        <a:xfrm>
+          <a:off x="0" y="0"/>
+          <a:ext cx="0" cy="0"/>
+          <a:chOff x="0" y="0"/>
+          <a:chExt cx="0" cy="0"/>
+        </a:xfrm>
+      </p:grpSpPr>
+      <p:sp>
+        <p:nvSpPr>
+          <p:cNvPr id="117" name="Shape 117"/>
+          <p:cNvSpPr txBox="1"/>
+          <p:nvPr/>
+        </p:nvSpPr>
+        <p:spPr>
+          <a:xfrm>
+            <a:off x="1880250" y="1306650"/>
+            <a:ext cx="5775600" cy="2429100"/>
+          </a:xfrm>
+          <a:prstGeom prst="rect">
+            <a:avLst/>
+          </a:prstGeom>
+          <a:noFill/>
+          <a:ln>
+            <a:noFill/>
+          </a:ln>
+        </p:spPr>
+        <p:txBody>
+          <a:bodyPr anchorCtr="0" anchor="ctr" bIns="91425" lIns="91425" rIns="91425" wrap="square" tIns="91425">
+            <a:noAutofit/>
+          </a:bodyPr>
+          <a:lstStyle/>
           <a:p>
-            <a:pPr indent="-228600" lvl="0" marL="457200" rtl="0">
-              <a:spcBef>
-                <a:spcPts val="0"/>
-              </a:spcBef>
-              <a:spcAft>
-                <a:spcPts val="0"/>
-              </a:spcAft>
-              <a:buFont typeface="Cambria"/>
-              <a:buChar char="➢"/>
+            <a:pPr lvl="0" rtl="0">
+              <a:spcBef>
+                <a:spcPts val="0"/>
+              </a:spcBef>
+              <a:buNone/>
             </a:pPr>
             <a:r>
-              <a:rPr lang="es">
-                <a:latin typeface="Cambria"/>
-                <a:ea typeface="Cambria"/>
-                <a:cs typeface="Cambria"/>
-                <a:sym typeface="Cambria"/>
+              <a:rPr b="1" lang="es" sz="4800">
+                <a:solidFill>
+                  <a:schemeClr val="dk1"/>
+                </a:solidFill>
               </a:rPr>
-              <a:t>Game starts as soon as the second player accepts the invitation and is added to the game.</a:t>
+              <a:t>Questions</a:t>
+            </a:r>
+          </a:p>
+          <a:p>
+            <a:pPr indent="457200" lvl="0" marL="457200" rtl="0">
+              <a:spcBef>
+                <a:spcPts val="0"/>
+              </a:spcBef>
+              <a:buNone/>
+            </a:pPr>
+            <a:r>
+              <a:rPr b="1" lang="es" sz="4800">
+                <a:solidFill>
+                  <a:schemeClr val="dk1"/>
+                </a:solidFill>
+              </a:rPr>
+              <a:t>And</a:t>
+            </a:r>
+          </a:p>
+          <a:p>
+            <a:pPr indent="457200" lvl="0" marL="1371600" rtl="0">
+              <a:spcBef>
+                <a:spcPts val="0"/>
+              </a:spcBef>
+              <a:buNone/>
+            </a:pPr>
+            <a:r>
+              <a:rPr b="1" lang="es" sz="4800">
+                <a:solidFill>
+                  <a:schemeClr val="dk1"/>
+                </a:solidFill>
+              </a:rPr>
+              <a:t>Discussions</a:t>
             </a:r>
           </a:p>
         </p:txBody>
@@ -5343,6 +5690,9 @@
             </a:pPr>
             <a:r>
               <a:rPr b="1" lang="es" sz="1400">
+                <a:solidFill>
+                  <a:srgbClr val="000000"/>
+                </a:solidFill>
                 <a:latin typeface="Cambria"/>
                 <a:ea typeface="Cambria"/>
                 <a:cs typeface="Cambria"/>
@@ -5352,6 +5702,9 @@
             </a:r>
             <a:r>
               <a:rPr lang="es" sz="1400">
+                <a:solidFill>
+                  <a:srgbClr val="000000"/>
+                </a:solidFill>
                 <a:latin typeface="Cambria"/>
                 <a:ea typeface="Cambria"/>
                 <a:cs typeface="Cambria"/>
@@ -5375,6 +5728,9 @@
             </a:pPr>
             <a:r>
               <a:rPr b="1" lang="es" sz="1400">
+                <a:solidFill>
+                  <a:srgbClr val="000000"/>
+                </a:solidFill>
                 <a:latin typeface="Cambria"/>
                 <a:ea typeface="Cambria"/>
                 <a:cs typeface="Cambria"/>
@@ -5384,6 +5740,9 @@
             </a:r>
             <a:r>
               <a:rPr lang="es" sz="1400">
+                <a:solidFill>
+                  <a:srgbClr val="000000"/>
+                </a:solidFill>
                 <a:latin typeface="Cambria"/>
                 <a:ea typeface="Cambria"/>
                 <a:cs typeface="Cambria"/>
@@ -5407,6 +5766,9 @@
             </a:pPr>
             <a:r>
               <a:rPr b="1" lang="es" sz="1400">
+                <a:solidFill>
+                  <a:srgbClr val="000000"/>
+                </a:solidFill>
                 <a:latin typeface="Cambria"/>
                 <a:ea typeface="Cambria"/>
                 <a:cs typeface="Cambria"/>
@@ -5416,6 +5778,9 @@
             </a:r>
             <a:r>
               <a:rPr lang="es" sz="1400">
+                <a:solidFill>
+                  <a:srgbClr val="000000"/>
+                </a:solidFill>
                 <a:latin typeface="Cambria"/>
                 <a:ea typeface="Cambria"/>
                 <a:cs typeface="Cambria"/>
@@ -5439,6 +5804,9 @@
             </a:pPr>
             <a:r>
               <a:rPr b="1" lang="es" sz="1400">
+                <a:solidFill>
+                  <a:srgbClr val="000000"/>
+                </a:solidFill>
                 <a:latin typeface="Cambria"/>
                 <a:ea typeface="Cambria"/>
                 <a:cs typeface="Cambria"/>
@@ -5448,6 +5816,9 @@
             </a:r>
             <a:r>
               <a:rPr lang="es" sz="1400">
+                <a:solidFill>
+                  <a:srgbClr val="000000"/>
+                </a:solidFill>
                 <a:latin typeface="Cambria"/>
                 <a:ea typeface="Cambria"/>
                 <a:cs typeface="Cambria"/>
@@ -5471,6 +5842,9 @@
             </a:pPr>
             <a:r>
               <a:rPr b="1" lang="es" sz="1400">
+                <a:solidFill>
+                  <a:srgbClr val="000000"/>
+                </a:solidFill>
                 <a:latin typeface="Cambria"/>
                 <a:ea typeface="Cambria"/>
                 <a:cs typeface="Cambria"/>
@@ -5480,6 +5854,9 @@
             </a:r>
             <a:r>
               <a:rPr lang="es" sz="1400">
+                <a:solidFill>
+                  <a:srgbClr val="000000"/>
+                </a:solidFill>
                 <a:latin typeface="Cambria"/>
                 <a:ea typeface="Cambria"/>
                 <a:cs typeface="Cambria"/>
@@ -5600,6 +5977,9 @@
             </a:pPr>
             <a:r>
               <a:rPr b="1" lang="es" sz="1400">
+                <a:solidFill>
+                  <a:srgbClr val="000000"/>
+                </a:solidFill>
                 <a:latin typeface="Cambria"/>
                 <a:ea typeface="Cambria"/>
                 <a:cs typeface="Cambria"/>
@@ -5609,6 +5989,9 @@
             </a:r>
             <a:r>
               <a:rPr lang="es" sz="1400">
+                <a:solidFill>
+                  <a:srgbClr val="000000"/>
+                </a:solidFill>
                 <a:latin typeface="Cambria"/>
                 <a:ea typeface="Cambria"/>
                 <a:cs typeface="Cambria"/>
@@ -5632,6 +6015,9 @@
             </a:pPr>
             <a:r>
               <a:rPr b="1" lang="es" sz="1400">
+                <a:solidFill>
+                  <a:srgbClr val="000000"/>
+                </a:solidFill>
                 <a:latin typeface="Cambria"/>
                 <a:ea typeface="Cambria"/>
                 <a:cs typeface="Cambria"/>
@@ -5641,6 +6027,9 @@
             </a:r>
             <a:r>
               <a:rPr lang="es" sz="1400">
+                <a:solidFill>
+                  <a:srgbClr val="000000"/>
+                </a:solidFill>
                 <a:latin typeface="Cambria"/>
                 <a:ea typeface="Cambria"/>
                 <a:cs typeface="Cambria"/>
@@ -5664,6 +6053,9 @@
             </a:pPr>
             <a:r>
               <a:rPr b="1" lang="es" sz="1400">
+                <a:solidFill>
+                  <a:srgbClr val="000000"/>
+                </a:solidFill>
                 <a:latin typeface="Cambria"/>
                 <a:ea typeface="Cambria"/>
                 <a:cs typeface="Cambria"/>
@@ -5673,6 +6065,9 @@
             </a:r>
             <a:r>
               <a:rPr lang="es" sz="1400">
+                <a:solidFill>
+                  <a:srgbClr val="000000"/>
+                </a:solidFill>
                 <a:latin typeface="Cambria"/>
                 <a:ea typeface="Cambria"/>
                 <a:cs typeface="Cambria"/>
@@ -5696,6 +6091,9 @@
             </a:pPr>
             <a:r>
               <a:rPr b="1" lang="es" sz="1400">
+                <a:solidFill>
+                  <a:srgbClr val="000000"/>
+                </a:solidFill>
                 <a:latin typeface="Cambria"/>
                 <a:ea typeface="Cambria"/>
                 <a:cs typeface="Cambria"/>
@@ -5705,6 +6103,9 @@
             </a:r>
             <a:r>
               <a:rPr lang="es" sz="1400">
+                <a:solidFill>
+                  <a:srgbClr val="000000"/>
+                </a:solidFill>
                 <a:latin typeface="Cambria"/>
                 <a:ea typeface="Cambria"/>
                 <a:cs typeface="Cambria"/>
@@ -5728,6 +6129,9 @@
             </a:pPr>
             <a:r>
               <a:rPr b="1" lang="es" sz="1400">
+                <a:solidFill>
+                  <a:srgbClr val="000000"/>
+                </a:solidFill>
                 <a:latin typeface="Cambria"/>
                 <a:ea typeface="Cambria"/>
                 <a:cs typeface="Cambria"/>
@@ -5737,6 +6141,9 @@
             </a:r>
             <a:r>
               <a:rPr lang="es" sz="1400">
+                <a:solidFill>
+                  <a:srgbClr val="000000"/>
+                </a:solidFill>
                 <a:latin typeface="Cambria"/>
                 <a:ea typeface="Cambria"/>
                 <a:cs typeface="Cambria"/>
@@ -6262,7 +6669,7 @@
         <p:spPr>
           <a:xfrm>
             <a:off x="311700" y="1152475"/>
-            <a:ext cx="8520600" cy="3416400"/>
+            <a:ext cx="8520600" cy="3574500"/>
           </a:xfrm>
           <a:prstGeom prst="rect">
             <a:avLst/>
@@ -6284,11 +6691,17 @@
               <a:spcAft>
                 <a:spcPts val="0"/>
               </a:spcAft>
+              <a:buClr>
+                <a:srgbClr val="000000"/>
+              </a:buClr>
               <a:buFont typeface="Cambria"/>
               <a:buChar char="➢"/>
             </a:pPr>
             <a:r>
               <a:rPr lang="es">
+                <a:solidFill>
+                  <a:srgbClr val="000000"/>
+                </a:solidFill>
                 <a:latin typeface="Cambria"/>
                 <a:ea typeface="Cambria"/>
                 <a:cs typeface="Cambria"/>
@@ -6298,6 +6711,9 @@
             </a:r>
             <a:r>
               <a:rPr b="1" lang="es">
+                <a:solidFill>
+                  <a:srgbClr val="000000"/>
+                </a:solidFill>
                 <a:latin typeface="Cambria"/>
                 <a:ea typeface="Cambria"/>
                 <a:cs typeface="Cambria"/>
@@ -6307,6 +6723,9 @@
             </a:r>
             <a:r>
               <a:rPr lang="es">
+                <a:solidFill>
+                  <a:srgbClr val="000000"/>
+                </a:solidFill>
                 <a:latin typeface="Cambria"/>
                 <a:ea typeface="Cambria"/>
                 <a:cs typeface="Cambria"/>
@@ -6316,6 +6735,33 @@
             </a:r>
           </a:p>
           <a:p>
+            <a:pPr indent="-228600" lvl="1" marL="914400" rtl="0">
+              <a:spcBef>
+                <a:spcPts val="0"/>
+              </a:spcBef>
+              <a:spcAft>
+                <a:spcPts val="0"/>
+              </a:spcAft>
+              <a:buClr>
+                <a:srgbClr val="000000"/>
+              </a:buClr>
+              <a:buFont typeface="Cambria"/>
+              <a:buChar char="○"/>
+            </a:pPr>
+            <a:r>
+              <a:rPr lang="es" sz="1800">
+                <a:solidFill>
+                  <a:schemeClr val="dk1"/>
+                </a:solidFill>
+                <a:latin typeface="Cambria"/>
+                <a:ea typeface="Cambria"/>
+                <a:cs typeface="Cambria"/>
+                <a:sym typeface="Cambria"/>
+              </a:rPr>
+              <a:t>Game starts as soon as the second player accepts the invitation and is added to the game.</a:t>
+            </a:r>
+          </a:p>
+          <a:p>
             <a:pPr indent="-228600" lvl="0" marL="457200" rtl="0">
               <a:lnSpc>
                 <a:spcPct val="115000"/>
@@ -6326,11 +6772,17 @@
               <a:spcAft>
                 <a:spcPts val="0"/>
               </a:spcAft>
+              <a:buClr>
+                <a:srgbClr val="000000"/>
+              </a:buClr>
               <a:buFont typeface="Cambria"/>
               <a:buChar char="➢"/>
             </a:pPr>
             <a:r>
               <a:rPr lang="es">
+                <a:solidFill>
+                  <a:srgbClr val="000000"/>
+                </a:solidFill>
                 <a:latin typeface="Cambria"/>
                 <a:ea typeface="Cambria"/>
                 <a:cs typeface="Cambria"/>
@@ -6340,6 +6792,9 @@
             </a:r>
             <a:r>
               <a:rPr b="1" lang="es">
+                <a:solidFill>
+                  <a:srgbClr val="000000"/>
+                </a:solidFill>
                 <a:latin typeface="Cambria"/>
                 <a:ea typeface="Cambria"/>
                 <a:cs typeface="Cambria"/>
@@ -6349,6 +6804,9 @@
             </a:r>
             <a:r>
               <a:rPr lang="es">
+                <a:solidFill>
+                  <a:srgbClr val="000000"/>
+                </a:solidFill>
                 <a:latin typeface="Cambria"/>
                 <a:ea typeface="Cambria"/>
                 <a:cs typeface="Cambria"/>
@@ -6368,17 +6826,107 @@
               <a:spcAft>
                 <a:spcPts val="0"/>
               </a:spcAft>
+              <a:buClr>
+                <a:srgbClr val="000000"/>
+              </a:buClr>
               <a:buFont typeface="Cambria"/>
               <a:buChar char="➢"/>
             </a:pPr>
             <a:r>
-              <a:rPr lang="es">
+              <a:rPr b="1" lang="es">
+                <a:solidFill>
+                  <a:srgbClr val="000000"/>
+                </a:solidFill>
                 <a:latin typeface="Cambria"/>
                 <a:ea typeface="Cambria"/>
                 <a:cs typeface="Cambria"/>
                 <a:sym typeface="Cambria"/>
               </a:rPr>
-              <a:t>Creating an account now firmly requires a unique email</a:t>
+              <a:t>Registered to System</a:t>
+            </a:r>
+          </a:p>
+          <a:p>
+            <a:pPr indent="-228600" lvl="1" marL="914400" rtl="0">
+              <a:lnSpc>
+                <a:spcPct val="115000"/>
+              </a:lnSpc>
+              <a:spcBef>
+                <a:spcPts val="0"/>
+              </a:spcBef>
+              <a:spcAft>
+                <a:spcPts val="0"/>
+              </a:spcAft>
+              <a:buClr>
+                <a:srgbClr val="000000"/>
+              </a:buClr>
+              <a:buFont typeface="Cambria"/>
+              <a:buChar char="○"/>
+            </a:pPr>
+            <a:r>
+              <a:rPr lang="es" sz="1800">
+                <a:solidFill>
+                  <a:srgbClr val="000000"/>
+                </a:solidFill>
+                <a:latin typeface="Cambria"/>
+                <a:ea typeface="Cambria"/>
+                <a:cs typeface="Cambria"/>
+                <a:sym typeface="Cambria"/>
+              </a:rPr>
+              <a:t>now displays a success or failure message.</a:t>
+            </a:r>
+          </a:p>
+          <a:p>
+            <a:pPr indent="-228600" lvl="1" marL="914400" rtl="0">
+              <a:spcBef>
+                <a:spcPts val="0"/>
+              </a:spcBef>
+              <a:spcAft>
+                <a:spcPts val="0"/>
+              </a:spcAft>
+              <a:buClr>
+                <a:srgbClr val="000000"/>
+              </a:buClr>
+              <a:buFont typeface="Cambria"/>
+              <a:buChar char="○"/>
+            </a:pPr>
+            <a:r>
+              <a:rPr lang="es" sz="1800">
+                <a:solidFill>
+                  <a:schemeClr val="dk1"/>
+                </a:solidFill>
+                <a:latin typeface="Cambria"/>
+                <a:ea typeface="Cambria"/>
+                <a:cs typeface="Cambria"/>
+                <a:sym typeface="Cambria"/>
+              </a:rPr>
+              <a:t>now states the requirement of a unique email</a:t>
+            </a:r>
+          </a:p>
+          <a:p>
+            <a:pPr indent="-228600" lvl="1" marL="914400" rtl="0">
+              <a:spcBef>
+                <a:spcPts val="0"/>
+              </a:spcBef>
+              <a:spcAft>
+                <a:spcPts val="0"/>
+              </a:spcAft>
+              <a:buClr>
+                <a:schemeClr val="dk1"/>
+              </a:buClr>
+              <a:buFont typeface="Cambria"/>
+              <a:buChar char="○"/>
+            </a:pPr>
+            <a:r>
+              <a:rPr lang="es" sz="1800">
+                <a:solidFill>
+                  <a:schemeClr val="dk1"/>
+                </a:solidFill>
+                <a:latin typeface="Cambria"/>
+                <a:ea typeface="Cambria"/>
+                <a:cs typeface="Cambria"/>
+                <a:sym typeface="Cambria"/>
+              </a:rPr>
+              <a:t>now states the requirement of a unique nickname</a:t>
             </a:r>
           </a:p>
           <a:p>
@@ -6392,17 +6940,23 @@
               <a:spcAft>
                 <a:spcPts val="0"/>
               </a:spcAft>
+              <a:buClr>
+                <a:srgbClr val="000000"/>
+              </a:buClr>
               <a:buFont typeface="Cambria"/>
               <a:buChar char="➢"/>
             </a:pPr>
             <a:r>
               <a:rPr lang="es">
+                <a:solidFill>
+                  <a:srgbClr val="000000"/>
+                </a:solidFill>
                 <a:latin typeface="Cambria"/>
                 <a:ea typeface="Cambria"/>
                 <a:cs typeface="Cambria"/>
                 <a:sym typeface="Cambria"/>
               </a:rPr>
-              <a:t>Creating an account now firmly requires a unique nickname</a:t>
+              <a:t>Accepting a game invitation now invalidates all other invitations if multiples were sent out for one game.</a:t>
             </a:r>
           </a:p>
           <a:p>
@@ -6416,149 +6970,23 @@
               <a:spcAft>
                 <a:spcPts val="0"/>
               </a:spcAft>
+              <a:buClr>
+                <a:srgbClr val="000000"/>
+              </a:buClr>
               <a:buFont typeface="Cambria"/>
               <a:buChar char="➢"/>
             </a:pPr>
             <a:r>
-              <a:rPr b="1" lang="es">
+              <a:rPr lang="es">
+                <a:solidFill>
+                  <a:srgbClr val="000000"/>
+                </a:solidFill>
                 <a:latin typeface="Cambria"/>
                 <a:ea typeface="Cambria"/>
                 <a:cs typeface="Cambria"/>
                 <a:sym typeface="Cambria"/>
               </a:rPr>
-              <a:t>Register User</a:t>
-            </a:r>
-            <a:r>
-              <a:rPr lang="es">
-                <a:latin typeface="Cambria"/>
-                <a:ea typeface="Cambria"/>
-                <a:cs typeface="Cambria"/>
-                <a:sym typeface="Cambria"/>
-              </a:rPr>
-              <a:t> no longer displays a successful message.</a:t>
-            </a:r>
-          </a:p>
-          <a:p>
-            <a:pPr indent="-228600" lvl="0" marL="457200" rtl="0">
-              <a:lnSpc>
-                <a:spcPct val="115000"/>
-              </a:lnSpc>
-              <a:spcBef>
-                <a:spcPts val="0"/>
-              </a:spcBef>
-              <a:spcAft>
-                <a:spcPts val="0"/>
-              </a:spcAft>
-              <a:buFont typeface="Cambria"/>
-              <a:buChar char="➢"/>
-            </a:pPr>
-            <a:r>
-              <a:rPr lang="es">
-                <a:latin typeface="Cambria"/>
-                <a:ea typeface="Cambria"/>
-                <a:cs typeface="Cambria"/>
-                <a:sym typeface="Cambria"/>
-              </a:rPr>
-              <a:t>Accepting a game invitation now invalidates all other invitations for that game.</a:t>
-            </a:r>
-          </a:p>
-          <a:p>
-            <a:pPr indent="-228600" lvl="0" marL="457200" rtl="0">
-              <a:lnSpc>
-                <a:spcPct val="115000"/>
-              </a:lnSpc>
-              <a:spcBef>
-                <a:spcPts val="0"/>
-              </a:spcBef>
-              <a:spcAft>
-                <a:spcPts val="0"/>
-              </a:spcAft>
-              <a:buFont typeface="Cambria"/>
-              <a:buChar char="➢"/>
-            </a:pPr>
-            <a:r>
-              <a:rPr b="1" lang="es">
-                <a:latin typeface="Cambria"/>
-                <a:ea typeface="Cambria"/>
-                <a:cs typeface="Cambria"/>
-                <a:sym typeface="Cambria"/>
-              </a:rPr>
-              <a:t>Quit Game</a:t>
-            </a:r>
-            <a:r>
-              <a:rPr lang="es">
-                <a:latin typeface="Cambria"/>
-                <a:ea typeface="Cambria"/>
-                <a:cs typeface="Cambria"/>
-                <a:sym typeface="Cambria"/>
-              </a:rPr>
-              <a:t> will not end the game is the game can not be found</a:t>
-            </a:r>
-          </a:p>
-          <a:p>
-            <a:pPr indent="-228600" lvl="0" marL="457200" rtl="0">
-              <a:lnSpc>
-                <a:spcPct val="115000"/>
-              </a:lnSpc>
-              <a:spcBef>
-                <a:spcPts val="0"/>
-              </a:spcBef>
-              <a:spcAft>
-                <a:spcPts val="0"/>
-              </a:spcAft>
-              <a:buFont typeface="Cambria"/>
-              <a:buChar char="➢"/>
-            </a:pPr>
-            <a:r>
-              <a:rPr b="1" lang="es">
-                <a:latin typeface="Cambria"/>
-                <a:ea typeface="Cambria"/>
-                <a:cs typeface="Cambria"/>
-                <a:sym typeface="Cambria"/>
-              </a:rPr>
-              <a:t>Quit Game</a:t>
-            </a:r>
-            <a:r>
-              <a:rPr lang="es">
-                <a:latin typeface="Cambria"/>
-                <a:ea typeface="Cambria"/>
-                <a:cs typeface="Cambria"/>
-                <a:sym typeface="Cambria"/>
-              </a:rPr>
-              <a:t> now directly records game information</a:t>
-            </a:r>
-          </a:p>
-          <a:p>
-            <a:pPr indent="-228600" lvl="0" marL="457200" rtl="0">
-              <a:lnSpc>
-                <a:spcPct val="115000"/>
-              </a:lnSpc>
-              <a:spcBef>
-                <a:spcPts val="0"/>
-              </a:spcBef>
-              <a:spcAft>
-                <a:spcPts val="0"/>
-              </a:spcAft>
-              <a:buFont typeface="Cambria"/>
-              <a:buChar char="➢"/>
-            </a:pPr>
-            <a:r>
-              <a:rPr b="1" lang="es">
-                <a:latin typeface="Cambria"/>
-                <a:ea typeface="Cambria"/>
-                <a:cs typeface="Cambria"/>
-                <a:sym typeface="Cambria"/>
-              </a:rPr>
-              <a:t>Unregister from system</a:t>
-            </a:r>
-            <a:r>
-              <a:rPr lang="es">
-                <a:latin typeface="Cambria"/>
-                <a:ea typeface="Cambria"/>
-                <a:cs typeface="Cambria"/>
-                <a:sym typeface="Cambria"/>
-              </a:rPr>
-              <a:t> now removes the login information instead of all information.</a:t>
+              <a:t>Accepting a game invitation now starts a new game if sent outside of a game.</a:t>
             </a:r>
           </a:p>
         </p:txBody>
